--- a/04. Slides/02. STM32 & CubeIDE/System Timer.pptx
+++ b/04. Slides/02. STM32 & CubeIDE/System Timer.pptx
@@ -15901,7 +15901,7 @@
                 </a:solidFill>
                 <a:latin typeface="Consolas" panose="020B0609020204030204" pitchFamily="49" charset="0"/>
               </a:rPr>
-              <a:t>// Interrupt period = 1000 cycles</a:t>
+              <a:t>// Interrupt period = 1000 cycles (us) = 1ms</a:t>
             </a:r>
           </a:p>
           <a:p>
@@ -16716,8 +16716,8 @@
           </a:p>
         </p:txBody>
       </p:sp>
-      <mc:AlternateContent xmlns:mc="http://schemas.openxmlformats.org/markup-compatibility/2006">
-        <mc:Choice xmlns:a14="http://schemas.microsoft.com/office/drawing/2010/main" Requires="a14">
+      <mc:AlternateContent xmlns:mc="http://schemas.openxmlformats.org/markup-compatibility/2006" xmlns:a14="http://schemas.microsoft.com/office/drawing/2010/main">
+        <mc:Choice Requires="a14">
           <p:sp>
             <p:nvSpPr>
               <p:cNvPr id="5" name="TextBox 4">
@@ -17220,7 +17220,7 @@
             </p:txBody>
           </p:sp>
         </mc:Choice>
-        <mc:Fallback>
+        <mc:Fallback xmlns="">
           <p:sp>
             <p:nvSpPr>
               <p:cNvPr id="5" name="TextBox 4">

--- a/04. Slides/02. STM32 & CubeIDE/System Timer.pptx
+++ b/04. Slides/02. STM32 & CubeIDE/System Timer.pptx
@@ -23093,14 +23093,13 @@
             <p:cNvCxnSpPr>
               <a:cxnSpLocks noChangeShapeType="1"/>
               <a:stCxn id="13" idx="3"/>
-              <a:endCxn id="7" idx="1"/>
             </p:cNvCxnSpPr>
             <p:nvPr/>
           </p:nvCxnSpPr>
           <p:spPr bwMode="auto">
-            <a:xfrm flipH="1">
-              <a:off x="8869169" y="3030586"/>
-              <a:ext cx="298893" cy="379181"/>
+            <a:xfrm flipV="1">
+              <a:off x="9168062" y="3027092"/>
+              <a:ext cx="196640" cy="3494"/>
             </a:xfrm>
             <a:prstGeom prst="straightConnector1">
               <a:avLst/>
